--- a/manuscript/images/fig1_new.pptx
+++ b/manuscript/images/fig1_new.pptx
@@ -1429,53 +1429,30 @@
           <a:chExt cx="0" cy="0"/>
         </a:xfrm>
       </p:grpSpPr>
-      <p:pic>
-        <p:nvPicPr>
-          <p:cNvPr id="36" name="" descr=""/>
-          <p:cNvPicPr/>
-          <p:nvPr/>
-        </p:nvPicPr>
-        <p:blipFill>
-          <a:blip r:embed="rId1"/>
-          <a:stretch/>
-        </p:blipFill>
-        <p:spPr>
-          <a:xfrm>
-            <a:off x="42840" y="342000"/>
-            <a:ext cx="3065760" cy="3955320"/>
-          </a:xfrm>
-          <a:prstGeom prst="rect">
-            <a:avLst/>
-          </a:prstGeom>
-          <a:ln>
-            <a:noFill/>
-          </a:ln>
-        </p:spPr>
-      </p:pic>
       <p:grpSp>
         <p:nvGrpSpPr>
-          <p:cNvPr id="37" name="Group 1"/>
+          <p:cNvPr id="36" name="Group 1"/>
           <p:cNvGrpSpPr/>
           <p:nvPr/>
         </p:nvGrpSpPr>
         <p:grpSpPr>
           <a:xfrm>
             <a:off x="3490200" y="374760"/>
-            <a:ext cx="5104800" cy="3824280"/>
+            <a:ext cx="5104440" cy="3823920"/>
             <a:chOff x="3490200" y="374760"/>
-            <a:chExt cx="5104800" cy="3824280"/>
+            <a:chExt cx="5104440" cy="3823920"/>
           </a:xfrm>
         </p:grpSpPr>
         <p:sp>
           <p:nvSpPr>
-            <p:cNvPr id="38" name="CustomShape 2"/>
+            <p:cNvPr id="37" name="CustomShape 2"/>
             <p:cNvSpPr/>
             <p:nvPr/>
           </p:nvSpPr>
           <p:spPr>
             <a:xfrm>
               <a:off x="3490200" y="374760"/>
-              <a:ext cx="853920" cy="3824280"/>
+              <a:ext cx="853560" cy="3823920"/>
             </a:xfrm>
             <a:prstGeom prst="cube">
               <a:avLst>
@@ -1509,14 +1486,14 @@
         </p:sp>
         <p:sp>
           <p:nvSpPr>
-            <p:cNvPr id="39" name="CustomShape 3"/>
+            <p:cNvPr id="38" name="CustomShape 3"/>
             <p:cNvSpPr/>
             <p:nvPr/>
           </p:nvSpPr>
           <p:spPr>
             <a:xfrm>
               <a:off x="3867480" y="374760"/>
-              <a:ext cx="853920" cy="3824280"/>
+              <a:ext cx="853560" cy="3823920"/>
             </a:xfrm>
             <a:prstGeom prst="cube">
               <a:avLst>
@@ -1550,14 +1527,14 @@
         </p:sp>
         <p:sp>
           <p:nvSpPr>
-            <p:cNvPr id="40" name="CustomShape 4"/>
+            <p:cNvPr id="39" name="CustomShape 4"/>
             <p:cNvSpPr/>
             <p:nvPr/>
           </p:nvSpPr>
           <p:spPr>
             <a:xfrm>
               <a:off x="4295880" y="1142640"/>
-              <a:ext cx="988200" cy="2470320"/>
+              <a:ext cx="987840" cy="2469960"/>
             </a:xfrm>
             <a:prstGeom prst="cube">
               <a:avLst>
@@ -1591,14 +1568,14 @@
         </p:sp>
         <p:sp>
           <p:nvSpPr>
-            <p:cNvPr id="41" name="CustomShape 5"/>
+            <p:cNvPr id="40" name="CustomShape 5"/>
             <p:cNvSpPr/>
             <p:nvPr/>
           </p:nvSpPr>
           <p:spPr>
             <a:xfrm>
               <a:off x="5015520" y="1142640"/>
-              <a:ext cx="988200" cy="2470320"/>
+              <a:ext cx="987840" cy="2469960"/>
             </a:xfrm>
             <a:prstGeom prst="cube">
               <a:avLst>
@@ -1632,14 +1609,14 @@
         </p:sp>
         <p:sp>
           <p:nvSpPr>
-            <p:cNvPr id="42" name="CustomShape 6"/>
+            <p:cNvPr id="41" name="CustomShape 6"/>
             <p:cNvSpPr/>
             <p:nvPr/>
           </p:nvSpPr>
           <p:spPr>
             <a:xfrm>
               <a:off x="5652360" y="1708920"/>
-              <a:ext cx="1186200" cy="1472040"/>
+              <a:ext cx="1185840" cy="1471680"/>
             </a:xfrm>
             <a:prstGeom prst="cube">
               <a:avLst>
@@ -1673,14 +1650,14 @@
         </p:sp>
         <p:sp>
           <p:nvSpPr>
-            <p:cNvPr id="43" name="CustomShape 7"/>
+            <p:cNvPr id="42" name="CustomShape 7"/>
             <p:cNvSpPr/>
             <p:nvPr/>
           </p:nvSpPr>
           <p:spPr>
             <a:xfrm>
               <a:off x="6577200" y="1708920"/>
-              <a:ext cx="1186200" cy="1472040"/>
+              <a:ext cx="1185840" cy="1471680"/>
             </a:xfrm>
             <a:prstGeom prst="cube">
               <a:avLst>
@@ -1714,14 +1691,14 @@
         </p:sp>
         <p:sp>
           <p:nvSpPr>
-            <p:cNvPr id="44" name="CustomShape 8"/>
+            <p:cNvPr id="43" name="CustomShape 8"/>
             <p:cNvSpPr/>
             <p:nvPr/>
           </p:nvSpPr>
           <p:spPr>
             <a:xfrm>
               <a:off x="7556760" y="2287440"/>
-              <a:ext cx="1038240" cy="414720"/>
+              <a:ext cx="1037880" cy="414360"/>
             </a:xfrm>
             <a:prstGeom prst="cube">
               <a:avLst>
@@ -1754,135 +1731,30 @@
           </p:style>
         </p:sp>
       </p:grpSp>
-      <p:sp>
-        <p:nvSpPr>
-          <p:cNvPr id="45" name="Line 9"/>
-          <p:cNvSpPr/>
-          <p:nvPr/>
-        </p:nvSpPr>
-        <p:spPr>
-          <a:xfrm flipV="1">
-            <a:off x="3075120" y="374760"/>
-            <a:ext cx="970560" cy="414360"/>
-          </a:xfrm>
-          <a:prstGeom prst="line">
-            <a:avLst/>
-          </a:prstGeom>
-          <a:ln w="12600">
-            <a:solidFill>
-              <a:srgbClr val="4a7ebb"/>
-            </a:solidFill>
-            <a:prstDash val="sysDot"/>
-            <a:round/>
-          </a:ln>
-        </p:spPr>
-        <p:style>
-          <a:lnRef idx="1">
-            <a:schemeClr val="accent1"/>
-          </a:lnRef>
-          <a:fillRef idx="0">
-            <a:schemeClr val="accent1"/>
-          </a:fillRef>
-          <a:effectRef idx="0">
-            <a:schemeClr val="accent1"/>
-          </a:effectRef>
-          <a:fontRef idx="minor"/>
-        </p:style>
-      </p:sp>
-      <p:sp>
-        <p:nvSpPr>
-          <p:cNvPr id="46" name="Line 10"/>
-          <p:cNvSpPr/>
-          <p:nvPr/>
-        </p:nvSpPr>
-        <p:spPr>
-          <a:xfrm>
-            <a:off x="101880" y="394560"/>
-            <a:ext cx="3390120" cy="696960"/>
-          </a:xfrm>
-          <a:prstGeom prst="line">
-            <a:avLst/>
-          </a:prstGeom>
-          <a:ln w="12600">
-            <a:solidFill>
-              <a:srgbClr val="4a7ebb"/>
-            </a:solidFill>
-            <a:prstDash val="sysDot"/>
-            <a:round/>
-          </a:ln>
-        </p:spPr>
-        <p:style>
-          <a:lnRef idx="1">
-            <a:schemeClr val="accent1"/>
-          </a:lnRef>
-          <a:fillRef idx="0">
-            <a:schemeClr val="accent1"/>
-          </a:fillRef>
-          <a:effectRef idx="0">
-            <a:schemeClr val="accent1"/>
-          </a:effectRef>
-          <a:fontRef idx="minor"/>
-        </p:style>
-      </p:sp>
-      <p:sp>
-        <p:nvSpPr>
-          <p:cNvPr id="47" name="Line 11"/>
-          <p:cNvSpPr/>
-          <p:nvPr/>
-        </p:nvSpPr>
-        <p:spPr>
-          <a:xfrm flipV="1">
-            <a:off x="129240" y="4214520"/>
-            <a:ext cx="3346920" cy="58320"/>
-          </a:xfrm>
-          <a:prstGeom prst="line">
-            <a:avLst/>
-          </a:prstGeom>
-          <a:ln w="12600">
-            <a:solidFill>
-              <a:srgbClr val="4a7ebb"/>
-            </a:solidFill>
-            <a:prstDash val="sysDot"/>
-            <a:round/>
-          </a:ln>
-        </p:spPr>
-        <p:style>
-          <a:lnRef idx="1">
-            <a:schemeClr val="accent1"/>
-          </a:lnRef>
-          <a:fillRef idx="0">
-            <a:schemeClr val="accent1"/>
-          </a:fillRef>
-          <a:effectRef idx="0">
-            <a:schemeClr val="accent1"/>
-          </a:effectRef>
-          <a:fontRef idx="minor"/>
-        </p:style>
-      </p:sp>
       <p:grpSp>
         <p:nvGrpSpPr>
-          <p:cNvPr id="48" name="Group 12"/>
+          <p:cNvPr id="44" name="Group 9"/>
           <p:cNvGrpSpPr/>
           <p:nvPr/>
         </p:nvGrpSpPr>
         <p:grpSpPr>
           <a:xfrm>
             <a:off x="8600400" y="571680"/>
-            <a:ext cx="2263320" cy="3925080"/>
+            <a:ext cx="2262960" cy="3924720"/>
             <a:chOff x="8600400" y="571680"/>
-            <a:chExt cx="2263320" cy="3925080"/>
+            <a:chExt cx="2262960" cy="3924720"/>
           </a:xfrm>
         </p:grpSpPr>
         <p:sp>
           <p:nvSpPr>
-            <p:cNvPr id="49" name="CustomShape 13"/>
+            <p:cNvPr id="45" name="CustomShape 10"/>
             <p:cNvSpPr/>
             <p:nvPr/>
           </p:nvSpPr>
           <p:spPr>
             <a:xfrm flipH="1" rot="5399400">
-              <a:off x="10151640" y="669240"/>
-              <a:ext cx="192240" cy="286920"/>
+              <a:off x="10151280" y="669240"/>
+              <a:ext cx="191880" cy="286560"/>
             </a:xfrm>
             <a:prstGeom prst="triangle">
               <a:avLst>
@@ -1921,14 +1793,14 @@
         </p:sp>
         <p:sp>
           <p:nvSpPr>
-            <p:cNvPr id="50" name="CustomShape 14"/>
+            <p:cNvPr id="46" name="CustomShape 11"/>
             <p:cNvSpPr/>
             <p:nvPr/>
           </p:nvSpPr>
           <p:spPr>
             <a:xfrm flipH="1" rot="5399400">
-              <a:off x="10151640" y="1826640"/>
-              <a:ext cx="192240" cy="286920"/>
+              <a:off x="10151280" y="1826640"/>
+              <a:ext cx="191880" cy="286560"/>
             </a:xfrm>
             <a:prstGeom prst="triangle">
               <a:avLst>
@@ -1967,14 +1839,14 @@
         </p:sp>
         <p:sp>
           <p:nvSpPr>
-            <p:cNvPr id="51" name="CustomShape 15"/>
+            <p:cNvPr id="47" name="CustomShape 12"/>
             <p:cNvSpPr/>
             <p:nvPr/>
           </p:nvSpPr>
           <p:spPr>
             <a:xfrm flipH="1" rot="5399400">
-              <a:off x="10151640" y="2928960"/>
-              <a:ext cx="192240" cy="286920"/>
+              <a:off x="10151280" y="2928960"/>
+              <a:ext cx="191880" cy="286560"/>
             </a:xfrm>
             <a:prstGeom prst="triangle">
               <a:avLst>
@@ -2013,14 +1885,14 @@
         </p:sp>
         <p:sp>
           <p:nvSpPr>
-            <p:cNvPr id="52" name="CustomShape 16"/>
+            <p:cNvPr id="48" name="CustomShape 13"/>
             <p:cNvSpPr/>
             <p:nvPr/>
           </p:nvSpPr>
           <p:spPr>
             <a:xfrm flipH="1" rot="5399400">
-              <a:off x="10151640" y="4141080"/>
-              <a:ext cx="192240" cy="286920"/>
+              <a:off x="10151280" y="4141080"/>
+              <a:ext cx="191880" cy="286560"/>
             </a:xfrm>
             <a:prstGeom prst="triangle">
               <a:avLst>
@@ -2059,28 +1931,28 @@
         </p:sp>
         <p:grpSp>
           <p:nvGrpSpPr>
-            <p:cNvPr id="53" name="Group 17"/>
+            <p:cNvPr id="49" name="Group 14"/>
             <p:cNvGrpSpPr/>
             <p:nvPr/>
           </p:nvGrpSpPr>
           <p:grpSpPr>
             <a:xfrm>
               <a:off x="8600400" y="571680"/>
-              <a:ext cx="2263320" cy="3925080"/>
+              <a:ext cx="2262960" cy="3924720"/>
               <a:chOff x="8600400" y="571680"/>
-              <a:chExt cx="2263320" cy="3925080"/>
+              <a:chExt cx="2262960" cy="3924720"/>
             </a:xfrm>
           </p:grpSpPr>
           <p:sp>
             <p:nvSpPr>
-              <p:cNvPr id="54" name="CustomShape 18"/>
+              <p:cNvPr id="50" name="CustomShape 15"/>
               <p:cNvSpPr/>
               <p:nvPr/>
             </p:nvSpPr>
             <p:spPr>
               <a:xfrm>
                 <a:off x="10425600" y="571680"/>
-                <a:ext cx="438120" cy="438840"/>
+                <a:ext cx="437760" cy="438480"/>
               </a:xfrm>
               <a:prstGeom prst="ellipse">
                 <a:avLst/>
@@ -2111,7 +1983,7 @@
           </p:sp>
           <p:sp>
             <p:nvSpPr>
-              <p:cNvPr id="55" name="Line 19"/>
+              <p:cNvPr id="51" name="Line 16"/>
               <p:cNvSpPr/>
               <p:nvPr/>
             </p:nvSpPr>
@@ -2145,7 +2017,7 @@
           </p:sp>
           <p:sp>
             <p:nvSpPr>
-              <p:cNvPr id="56" name="Line 20"/>
+              <p:cNvPr id="52" name="Line 17"/>
               <p:cNvSpPr/>
               <p:nvPr/>
             </p:nvSpPr>
@@ -2179,7 +2051,7 @@
           </p:sp>
           <p:sp>
             <p:nvSpPr>
-              <p:cNvPr id="57" name="Line 21"/>
+              <p:cNvPr id="53" name="Line 18"/>
               <p:cNvSpPr/>
               <p:nvPr/>
             </p:nvSpPr>
@@ -2213,7 +2085,7 @@
           </p:sp>
           <p:sp>
             <p:nvSpPr>
-              <p:cNvPr id="58" name="Line 22"/>
+              <p:cNvPr id="54" name="Line 19"/>
               <p:cNvSpPr/>
               <p:nvPr/>
             </p:nvSpPr>
@@ -2247,7 +2119,7 @@
           </p:sp>
           <p:sp>
             <p:nvSpPr>
-              <p:cNvPr id="59" name="Line 23"/>
+              <p:cNvPr id="55" name="Line 20"/>
               <p:cNvSpPr/>
               <p:nvPr/>
             </p:nvSpPr>
@@ -2281,7 +2153,7 @@
           </p:sp>
           <p:sp>
             <p:nvSpPr>
-              <p:cNvPr id="60" name="Line 24"/>
+              <p:cNvPr id="56" name="Line 21"/>
               <p:cNvSpPr/>
               <p:nvPr/>
             </p:nvSpPr>
@@ -2315,14 +2187,14 @@
           </p:sp>
           <p:sp>
             <p:nvSpPr>
-              <p:cNvPr id="61" name="CustomShape 25"/>
+              <p:cNvPr id="57" name="CustomShape 22"/>
               <p:cNvSpPr/>
               <p:nvPr/>
             </p:nvSpPr>
             <p:spPr>
               <a:xfrm>
                 <a:off x="10425240" y="1724040"/>
-                <a:ext cx="437760" cy="438840"/>
+                <a:ext cx="437400" cy="438480"/>
               </a:xfrm>
               <a:prstGeom prst="ellipse">
                 <a:avLst/>
@@ -2353,14 +2225,14 @@
           </p:sp>
           <p:sp>
             <p:nvSpPr>
-              <p:cNvPr id="62" name="CustomShape 26"/>
+              <p:cNvPr id="58" name="CustomShape 23"/>
               <p:cNvSpPr/>
               <p:nvPr/>
             </p:nvSpPr>
             <p:spPr>
               <a:xfrm>
                 <a:off x="10424520" y="4058280"/>
-                <a:ext cx="438120" cy="438480"/>
+                <a:ext cx="437760" cy="438120"/>
               </a:xfrm>
               <a:prstGeom prst="ellipse">
                 <a:avLst/>
@@ -2391,14 +2263,14 @@
           </p:sp>
           <p:sp>
             <p:nvSpPr>
-              <p:cNvPr id="63" name="CustomShape 27"/>
+              <p:cNvPr id="59" name="CustomShape 24"/>
               <p:cNvSpPr/>
               <p:nvPr/>
             </p:nvSpPr>
             <p:spPr>
               <a:xfrm>
                 <a:off x="10421640" y="2835360"/>
-                <a:ext cx="438120" cy="438840"/>
+                <a:ext cx="437760" cy="438480"/>
               </a:xfrm>
               <a:prstGeom prst="ellipse">
                 <a:avLst/>
@@ -2431,14 +2303,14 @@
       </p:grpSp>
       <p:sp>
         <p:nvSpPr>
-          <p:cNvPr id="64" name="CustomShape 28"/>
+          <p:cNvPr id="60" name="CustomShape 25"/>
           <p:cNvSpPr/>
           <p:nvPr/>
         </p:nvSpPr>
         <p:spPr>
           <a:xfrm>
             <a:off x="10953360" y="354600"/>
-            <a:ext cx="1207800" cy="700200"/>
+            <a:ext cx="1207440" cy="699840"/>
           </a:xfrm>
           <a:prstGeom prst="rect">
             <a:avLst/>
@@ -2466,7 +2338,11 @@
             </a:pPr>
             <a:r>
               <a:rPr b="1" lang="en-US" sz="2000" spc="-1" strike="noStrike">
+                <a:solidFill>
+                  <a:srgbClr val="000000"/>
+                </a:solidFill>
                 <a:latin typeface="LM Roman 10"/>
+                <a:ea typeface="DejaVu Sans"/>
               </a:rPr>
               <a:t>Overall </a:t>
             </a:r>
@@ -2482,7 +2358,11 @@
             </a:pPr>
             <a:r>
               <a:rPr b="1" lang="en-US" sz="2000" spc="-1" strike="noStrike">
+                <a:solidFill>
+                  <a:srgbClr val="000000"/>
+                </a:solidFill>
                 <a:latin typeface="LM Roman 10"/>
+                <a:ea typeface="DejaVu Sans"/>
               </a:rPr>
               <a:t>Quality</a:t>
             </a:r>
@@ -2494,14 +2374,14 @@
       </p:sp>
       <p:sp>
         <p:nvSpPr>
-          <p:cNvPr id="65" name="CustomShape 29"/>
+          <p:cNvPr id="61" name="CustomShape 26"/>
           <p:cNvSpPr/>
           <p:nvPr/>
         </p:nvSpPr>
         <p:spPr>
           <a:xfrm>
             <a:off x="11080440" y="2834640"/>
-            <a:ext cx="1172160" cy="395280"/>
+            <a:ext cx="1171800" cy="394920"/>
           </a:xfrm>
           <a:prstGeom prst="rect">
             <a:avLst/>
@@ -2529,7 +2409,11 @@
             </a:pPr>
             <a:r>
               <a:rPr b="1" lang="en-US" sz="2000" spc="-1" strike="noStrike">
+                <a:solidFill>
+                  <a:srgbClr val="000000"/>
+                </a:solidFill>
                 <a:latin typeface="LM Roman 10"/>
+                <a:ea typeface="DejaVu Sans"/>
               </a:rPr>
               <a:t>Clarity</a:t>
             </a:r>
@@ -2541,14 +2425,14 @@
       </p:sp>
       <p:sp>
         <p:nvSpPr>
-          <p:cNvPr id="66" name="CustomShape 30"/>
+          <p:cNvPr id="62" name="CustomShape 27"/>
           <p:cNvSpPr/>
           <p:nvPr/>
         </p:nvSpPr>
         <p:spPr>
           <a:xfrm>
             <a:off x="11044800" y="1737360"/>
-            <a:ext cx="1207800" cy="395280"/>
+            <a:ext cx="1207440" cy="394920"/>
           </a:xfrm>
           <a:prstGeom prst="rect">
             <a:avLst/>
@@ -2576,7 +2460,11 @@
             </a:pPr>
             <a:r>
               <a:rPr b="1" lang="en-US" sz="2000" spc="-1" strike="noStrike">
+                <a:solidFill>
+                  <a:srgbClr val="000000"/>
+                </a:solidFill>
                 <a:latin typeface="LM Roman 10"/>
+                <a:ea typeface="DejaVu Sans"/>
               </a:rPr>
               <a:t>Artifact</a:t>
             </a:r>
@@ -2586,72 +2474,215 @@
           </a:p>
         </p:txBody>
       </p:sp>
-      <p:sp>
-        <p:nvSpPr>
-          <p:cNvPr id="67" name="Line 31"/>
-          <p:cNvSpPr/>
-          <p:nvPr/>
-        </p:nvSpPr>
-        <p:spPr>
-          <a:xfrm flipV="1">
-            <a:off x="3068280" y="3291840"/>
-            <a:ext cx="1276200" cy="518040"/>
-          </a:xfrm>
-          <a:prstGeom prst="line">
-            <a:avLst/>
-          </a:prstGeom>
-          <a:ln w="12600">
-            <a:solidFill>
-              <a:srgbClr val="4a7ebb"/>
-            </a:solidFill>
-            <a:prstDash val="sysDot"/>
-            <a:round/>
-          </a:ln>
-        </p:spPr>
-        <p:style>
-          <a:lnRef idx="1">
-            <a:schemeClr val="accent1"/>
-          </a:lnRef>
-          <a:fillRef idx="0">
-            <a:schemeClr val="accent1"/>
-          </a:fillRef>
-          <a:effectRef idx="0">
-            <a:schemeClr val="accent1"/>
-          </a:effectRef>
-          <a:fontRef idx="minor"/>
-        </p:style>
-      </p:sp>
       <p:grpSp>
         <p:nvGrpSpPr>
-          <p:cNvPr id="68" name="Group 32"/>
+          <p:cNvPr id="63" name="Group 28"/>
           <p:cNvGrpSpPr/>
           <p:nvPr/>
         </p:nvGrpSpPr>
         <p:grpSpPr>
           <a:xfrm>
+            <a:off x="42840" y="342000"/>
+            <a:ext cx="4301640" cy="3954960"/>
+            <a:chOff x="42840" y="342000"/>
+            <a:chExt cx="4301640" cy="3954960"/>
+          </a:xfrm>
+        </p:grpSpPr>
+        <p:pic>
+          <p:nvPicPr>
+            <p:cNvPr id="64" name="" descr=""/>
+            <p:cNvPicPr/>
+            <p:nvPr/>
+          </p:nvPicPr>
+          <p:blipFill>
+            <a:blip r:embed="rId1"/>
+            <a:stretch/>
+          </p:blipFill>
+          <p:spPr>
+            <a:xfrm>
+              <a:off x="42840" y="342000"/>
+              <a:ext cx="3065400" cy="3954960"/>
+            </a:xfrm>
+            <a:prstGeom prst="rect">
+              <a:avLst/>
+            </a:prstGeom>
+            <a:ln>
+              <a:noFill/>
+            </a:ln>
+          </p:spPr>
+        </p:pic>
+        <p:sp>
+          <p:nvSpPr>
+            <p:cNvPr id="65" name="Line 29"/>
+            <p:cNvSpPr/>
+            <p:nvPr/>
+          </p:nvSpPr>
+          <p:spPr>
+            <a:xfrm flipV="1">
+              <a:off x="3075120" y="374760"/>
+              <a:ext cx="970560" cy="414360"/>
+            </a:xfrm>
+            <a:prstGeom prst="line">
+              <a:avLst/>
+            </a:prstGeom>
+            <a:ln w="12600">
+              <a:solidFill>
+                <a:srgbClr val="4a7ebb"/>
+              </a:solidFill>
+              <a:prstDash val="sysDot"/>
+              <a:round/>
+            </a:ln>
+          </p:spPr>
+          <p:style>
+            <a:lnRef idx="1">
+              <a:schemeClr val="accent1"/>
+            </a:lnRef>
+            <a:fillRef idx="0">
+              <a:schemeClr val="accent1"/>
+            </a:fillRef>
+            <a:effectRef idx="0">
+              <a:schemeClr val="accent1"/>
+            </a:effectRef>
+            <a:fontRef idx="minor"/>
+          </p:style>
+        </p:sp>
+        <p:sp>
+          <p:nvSpPr>
+            <p:cNvPr id="66" name="Line 30"/>
+            <p:cNvSpPr/>
+            <p:nvPr/>
+          </p:nvSpPr>
+          <p:spPr>
+            <a:xfrm>
+              <a:off x="101880" y="394560"/>
+              <a:ext cx="3390120" cy="696960"/>
+            </a:xfrm>
+            <a:prstGeom prst="line">
+              <a:avLst/>
+            </a:prstGeom>
+            <a:ln w="12600">
+              <a:solidFill>
+                <a:srgbClr val="4a7ebb"/>
+              </a:solidFill>
+              <a:prstDash val="sysDot"/>
+              <a:round/>
+            </a:ln>
+          </p:spPr>
+          <p:style>
+            <a:lnRef idx="1">
+              <a:schemeClr val="accent1"/>
+            </a:lnRef>
+            <a:fillRef idx="0">
+              <a:schemeClr val="accent1"/>
+            </a:fillRef>
+            <a:effectRef idx="0">
+              <a:schemeClr val="accent1"/>
+            </a:effectRef>
+            <a:fontRef idx="minor"/>
+          </p:style>
+        </p:sp>
+        <p:sp>
+          <p:nvSpPr>
+            <p:cNvPr id="67" name="Line 31"/>
+            <p:cNvSpPr/>
+            <p:nvPr/>
+          </p:nvSpPr>
+          <p:spPr>
+            <a:xfrm flipV="1">
+              <a:off x="129240" y="4214520"/>
+              <a:ext cx="3346920" cy="58320"/>
+            </a:xfrm>
+            <a:prstGeom prst="line">
+              <a:avLst/>
+            </a:prstGeom>
+            <a:ln w="12600">
+              <a:solidFill>
+                <a:srgbClr val="4a7ebb"/>
+              </a:solidFill>
+              <a:prstDash val="sysDot"/>
+              <a:round/>
+            </a:ln>
+          </p:spPr>
+          <p:style>
+            <a:lnRef idx="1">
+              <a:schemeClr val="accent1"/>
+            </a:lnRef>
+            <a:fillRef idx="0">
+              <a:schemeClr val="accent1"/>
+            </a:fillRef>
+            <a:effectRef idx="0">
+              <a:schemeClr val="accent1"/>
+            </a:effectRef>
+            <a:fontRef idx="minor"/>
+          </p:style>
+        </p:sp>
+        <p:sp>
+          <p:nvSpPr>
+            <p:cNvPr id="68" name="Line 32"/>
+            <p:cNvSpPr/>
+            <p:nvPr/>
+          </p:nvSpPr>
+          <p:spPr>
+            <a:xfrm flipV="1">
+              <a:off x="3068280" y="3291840"/>
+              <a:ext cx="1276200" cy="518040"/>
+            </a:xfrm>
+            <a:prstGeom prst="line">
+              <a:avLst/>
+            </a:prstGeom>
+            <a:ln w="12600">
+              <a:solidFill>
+                <a:srgbClr val="4a7ebb"/>
+              </a:solidFill>
+              <a:prstDash val="sysDot"/>
+              <a:round/>
+            </a:ln>
+          </p:spPr>
+          <p:style>
+            <a:lnRef idx="1">
+              <a:schemeClr val="accent1"/>
+            </a:lnRef>
+            <a:fillRef idx="0">
+              <a:schemeClr val="accent1"/>
+            </a:fillRef>
+            <a:effectRef idx="0">
+              <a:schemeClr val="accent1"/>
+            </a:effectRef>
+            <a:fontRef idx="minor"/>
+          </p:style>
+        </p:sp>
+      </p:grpSp>
+      <p:grpSp>
+        <p:nvGrpSpPr>
+          <p:cNvPr id="69" name="Group 33"/>
+          <p:cNvGrpSpPr/>
+          <p:nvPr/>
+        </p:nvGrpSpPr>
+        <p:grpSpPr>
+          <a:xfrm>
             <a:off x="11064240" y="4114800"/>
-            <a:ext cx="1256400" cy="457200"/>
+            <a:ext cx="1256040" cy="456840"/>
             <a:chOff x="11064240" y="4114800"/>
-            <a:chExt cx="1256400" cy="457200"/>
+            <a:chExt cx="1256040" cy="456840"/>
           </a:xfrm>
         </p:grpSpPr>
         <p:grpSp>
           <p:nvGrpSpPr>
-            <p:cNvPr id="69" name="Group 33"/>
+            <p:cNvPr id="70" name="Group 34"/>
             <p:cNvGrpSpPr/>
             <p:nvPr/>
           </p:nvGrpSpPr>
           <p:grpSpPr>
             <a:xfrm>
               <a:off x="11324880" y="4114800"/>
-              <a:ext cx="636480" cy="174600"/>
+              <a:ext cx="636120" cy="174240"/>
               <a:chOff x="11324880" y="4114800"/>
-              <a:chExt cx="636480" cy="174600"/>
+              <a:chExt cx="636120" cy="174240"/>
             </a:xfrm>
           </p:grpSpPr>
           <p:pic>
             <p:nvPicPr>
-              <p:cNvPr id="70" name="" descr=""/>
+              <p:cNvPr id="71" name="" descr=""/>
               <p:cNvPicPr/>
               <p:nvPr/>
             </p:nvPicPr>
@@ -2662,7 +2693,7 @@
             <p:spPr>
               <a:xfrm>
                 <a:off x="11324880" y="4114800"/>
-                <a:ext cx="636480" cy="174600"/>
+                <a:ext cx="636120" cy="174240"/>
               </a:xfrm>
               <a:prstGeom prst="rect">
                 <a:avLst/>
@@ -2675,21 +2706,21 @@
         </p:grpSp>
         <p:grpSp>
           <p:nvGrpSpPr>
-            <p:cNvPr id="71" name="Group 34"/>
+            <p:cNvPr id="72" name="Group 35"/>
             <p:cNvGrpSpPr/>
             <p:nvPr/>
           </p:nvGrpSpPr>
           <p:grpSpPr>
             <a:xfrm>
               <a:off x="11064240" y="4397400"/>
-              <a:ext cx="1256400" cy="174600"/>
+              <a:ext cx="1256040" cy="174240"/>
               <a:chOff x="11064240" y="4397400"/>
-              <a:chExt cx="1256400" cy="174600"/>
+              <a:chExt cx="1256040" cy="174240"/>
             </a:xfrm>
           </p:grpSpPr>
           <p:pic>
             <p:nvPicPr>
-              <p:cNvPr id="72" name="" descr=""/>
+              <p:cNvPr id="73" name="" descr=""/>
               <p:cNvPicPr/>
               <p:nvPr/>
             </p:nvPicPr>
@@ -2700,7 +2731,7 @@
             <p:spPr>
               <a:xfrm>
                 <a:off x="11064240" y="4397400"/>
-                <a:ext cx="1256400" cy="174600"/>
+                <a:ext cx="1256040" cy="174240"/>
               </a:xfrm>
               <a:prstGeom prst="rect">
                 <a:avLst/>
